--- a/マニュアル/ver20250520.pptx
+++ b/マニュアル/ver20250520.pptx
@@ -4330,13 +4330,13 @@
             <a:endParaRPr kumimoji="1" lang="en-US" altLang="ja-JP" dirty="0"/>
           </a:p>
           <a:p>
-            <a:pPr marL="285750" indent="-285750">
-              <a:buFont typeface="Arial" panose="020B0604020202020204" pitchFamily="34" charset="0"/>
-              <a:buChar char="•"/>
-            </a:pPr>
-            <a:r>
-              <a:rPr kumimoji="1" lang="ja-JP" altLang="en-US"/>
-              <a:t>以降は</a:t>
+            <a:r>
+              <a:rPr kumimoji="1" lang="en-US" altLang="ja-JP" dirty="0"/>
+              <a:t>※</a:t>
+            </a:r>
+            <a:r>
+              <a:rPr kumimoji="1" lang="ja-JP" altLang="en-US"/>
+              <a:t> 以降は</a:t>
             </a:r>
             <a:r>
               <a:rPr kumimoji="1" lang="en-US" altLang="ja-JP" dirty="0" err="1"/>
@@ -4449,8 +4449,8 @@
         </p:blipFill>
         <p:spPr>
           <a:xfrm>
-            <a:off x="1377512" y="1260475"/>
-            <a:ext cx="9436976" cy="4201211"/>
+            <a:off x="1377512" y="1093076"/>
+            <a:ext cx="9258957" cy="4121959"/>
           </a:xfrm>
         </p:spPr>
       </p:pic>
@@ -4468,8 +4468,8 @@
         </p:nvSpPr>
         <p:spPr>
           <a:xfrm>
-            <a:off x="1377512" y="5721178"/>
-            <a:ext cx="9078126" cy="646331"/>
+            <a:off x="1377512" y="5593391"/>
+            <a:ext cx="9958175" cy="1200329"/>
           </a:xfrm>
           <a:prstGeom prst="rect">
             <a:avLst/>
@@ -4522,8 +4522,57 @@
               <a:buChar char="•"/>
             </a:pPr>
             <a:r>
+              <a:rPr lang="ja-JP" altLang="en-US"/>
+              <a:t>確認後、</a:t>
+            </a:r>
+            <a:r>
               <a:rPr lang="en-US" altLang="ja-JP" dirty="0"/>
-              <a:t>Ferret</a:t>
+              <a:t>Slack</a:t>
+            </a:r>
+            <a:r>
+              <a:rPr lang="ja-JP" altLang="en-US"/>
+              <a:t>の</a:t>
+            </a:r>
+            <a:r>
+              <a:rPr lang="en-US" altLang="ja-JP" dirty="0"/>
+              <a:t>notify</a:t>
+            </a:r>
+            <a:r>
+              <a:rPr lang="ja-JP" altLang="en-US"/>
+              <a:t>チャネルでパソコンを自分が動かしていることを通知してください。</a:t>
+            </a:r>
+            <a:endParaRPr lang="en-US" altLang="ja-JP" dirty="0"/>
+          </a:p>
+          <a:p>
+            <a:r>
+              <a:rPr lang="ja-JP" altLang="en-US"/>
+              <a:t>　</a:t>
+            </a:r>
+            <a:r>
+              <a:rPr lang="en-US" altLang="ja-JP" dirty="0"/>
+              <a:t>(</a:t>
+            </a:r>
+            <a:r>
+              <a:rPr lang="ja-JP" altLang="en-US"/>
+              <a:t>例</a:t>
+            </a:r>
+            <a:r>
+              <a:rPr lang="en-US" altLang="ja-JP" dirty="0"/>
+              <a:t>: </a:t>
+            </a:r>
+            <a:r>
+              <a:rPr lang="ja-JP" altLang="en-US"/>
+              <a:t>実験を開始します</a:t>
+            </a:r>
+            <a:r>
+              <a:rPr lang="en-US" altLang="ja-JP" dirty="0"/>
+              <a:t>)</a:t>
+            </a:r>
+          </a:p>
+          <a:p>
+            <a:r>
+              <a:rPr lang="en-US" altLang="ja-JP" dirty="0"/>
+              <a:t>※ Ferret</a:t>
             </a:r>
             <a:r>
               <a:rPr lang="ja-JP" altLang="en-US"/>
@@ -5585,6 +5634,17 @@
           </a:bodyPr>
           <a:lstStyle/>
           <a:p>
+            <a:pPr marL="0" indent="0">
+              <a:buNone/>
+            </a:pPr>
+            <a:r>
+              <a:rPr lang="en-US" altLang="ja-JP" sz="2000" dirty="0"/>
+              <a:t>※</a:t>
+            </a:r>
+            <a:r>
+              <a:rPr lang="en-US" altLang="ja-JP" sz="2000" i="1" dirty="0"/>
+              <a:t> </a:t>
+            </a:r>
             <a:r>
               <a:rPr lang="en-US" altLang="ja-JP" sz="2000" i="1" dirty="0" err="1"/>
               <a:t>c</a:t>
@@ -5615,6 +5675,13 @@
             </a:r>
           </a:p>
           <a:p>
+            <a:pPr marL="0" indent="0">
+              <a:buNone/>
+            </a:pPr>
+            <a:r>
+              <a:rPr kumimoji="1" lang="en-US" altLang="ja-JP" sz="2000" dirty="0"/>
+              <a:t>※ </a:t>
+            </a:r>
             <a:r>
               <a:rPr kumimoji="1" lang="ja-JP" altLang="en-US" sz="2000"/>
               <a:t>実行中に不具合があった場合、</a:t>
@@ -6247,13 +6314,13 @@
             <a:endParaRPr kumimoji="1" lang="en-US" altLang="ja-JP" dirty="0"/>
           </a:p>
           <a:p>
-            <a:pPr marL="285750" indent="-285750">
-              <a:buFont typeface="Arial" panose="020B0604020202020204" pitchFamily="34" charset="0"/>
-              <a:buChar char="•"/>
-            </a:pPr>
-            <a:r>
-              <a:rPr kumimoji="1" lang="ja-JP" altLang="en-US"/>
-              <a:t>新しく予約する際は、予約日から１日以上空けてください。</a:t>
+            <a:r>
+              <a:rPr kumimoji="1" lang="en-US" altLang="ja-JP" dirty="0"/>
+              <a:t>※</a:t>
+            </a:r>
+            <a:r>
+              <a:rPr kumimoji="1" lang="ja-JP" altLang="en-US"/>
+              <a:t> 新しく予約する際は、予約日から１日以上空けてください。</a:t>
             </a:r>
           </a:p>
         </p:txBody>
